--- a/FINAL SNS PROJECT.pptx
+++ b/FINAL SNS PROJECT.pptx
@@ -10580,7 +10580,7 @@
         </p:blipFill>
         <p:spPr>
           <a:xfrm>
-            <a:off x="2387600" y="6704798"/>
+            <a:off x="2387600" y="6627226"/>
             <a:ext cx="5892800" cy="913028"/>
           </a:xfrm>
           <a:prstGeom prst="rect">
@@ -10610,8 +10610,8 @@
         </p:blipFill>
         <p:spPr>
           <a:xfrm>
-            <a:off x="1016000" y="7277100"/>
-            <a:ext cx="16256000" cy="2336800"/>
+            <a:off x="1016000" y="7199527"/>
+            <a:ext cx="16256000" cy="2538413"/>
           </a:xfrm>
           <a:prstGeom prst="rect">
             <a:avLst/>
@@ -10640,7 +10640,7 @@
         </p:blipFill>
         <p:spPr>
           <a:xfrm>
-            <a:off x="1016000" y="6364072"/>
+            <a:off x="1016000" y="6286500"/>
             <a:ext cx="5219700" cy="913028"/>
           </a:xfrm>
           <a:prstGeom prst="rect">
@@ -10715,7 +10715,7 @@
         </p:nvSpPr>
         <p:spPr>
           <a:xfrm>
-            <a:off x="2171700" y="6591701"/>
+            <a:off x="2171700" y="6514129"/>
             <a:ext cx="2908300" cy="453654"/>
           </a:xfrm>
           <a:prstGeom prst="rect">
@@ -10925,6 +10925,197 @@
               <a:latin typeface="+mj-ea"/>
               <a:ea typeface="+mj-ea"/>
             </a:endParaRPr>
+          </a:p>
+        </p:txBody>
+      </p:sp>
+      <p:sp>
+        <p:nvSpPr>
+          <p:cNvPr id="14" name="TextBox 13">
+            <a:extLst>
+              <a:ext uri="{FF2B5EF4-FFF2-40B4-BE49-F238E27FC236}">
+                <a16:creationId xmlns:a16="http://schemas.microsoft.com/office/drawing/2014/main" id="{0317CC72-05FB-9AD0-6C3C-811E941E59EE}"/>
+              </a:ext>
+            </a:extLst>
+          </p:cNvPr>
+          <p:cNvSpPr txBox="1"/>
+          <p:nvPr/>
+        </p:nvSpPr>
+        <p:spPr>
+          <a:xfrm>
+            <a:off x="1421816" y="7407991"/>
+            <a:ext cx="15751428" cy="2462213"/>
+          </a:xfrm>
+          <a:prstGeom prst="rect">
+            <a:avLst/>
+          </a:prstGeom>
+          <a:noFill/>
+        </p:spPr>
+        <p:txBody>
+          <a:bodyPr wrap="none" rtlCol="0">
+            <a:spAutoFit/>
+          </a:bodyPr>
+          <a:lstStyle/>
+          <a:p>
+            <a:r>
+              <a:rPr lang="en-US" altLang="ko-KR" sz="2200" dirty="0">
+                <a:latin typeface="+mj-ea"/>
+                <a:ea typeface="+mj-ea"/>
+              </a:rPr>
+              <a:t> GCP</a:t>
+            </a:r>
+            <a:r>
+              <a:rPr lang="ko-KR" altLang="en-US" sz="2200" dirty="0">
+                <a:latin typeface="+mj-ea"/>
+                <a:ea typeface="+mj-ea"/>
+              </a:rPr>
+              <a:t>에 프로젝트를 배포하는 과정을 통해 클라우드 환경 및 가상화 시스템을 경험할 수 있어 좋았고 형상관리의 중요성을</a:t>
+            </a:r>
+            <a:endParaRPr lang="en-US" altLang="ko-KR" sz="2200" dirty="0">
+              <a:latin typeface="+mj-ea"/>
+              <a:ea typeface="+mj-ea"/>
+            </a:endParaRPr>
+          </a:p>
+          <a:p>
+            <a:r>
+              <a:rPr lang="ko-KR" altLang="en-US" sz="2200" dirty="0">
+                <a:latin typeface="+mj-ea"/>
+                <a:ea typeface="+mj-ea"/>
+              </a:rPr>
+              <a:t>몸소 체험하며 팀 협업의 중요성과 코드 관리의 체계성을 더욱 깊이 이해하게 되었습니다</a:t>
+            </a:r>
+            <a:r>
+              <a:rPr lang="en-US" altLang="ko-KR" sz="2200" dirty="0">
+                <a:latin typeface="+mj-ea"/>
+                <a:ea typeface="+mj-ea"/>
+              </a:rPr>
+              <a:t>.</a:t>
+            </a:r>
+          </a:p>
+          <a:p>
+            <a:endParaRPr lang="en-US" altLang="ko-KR" sz="2200" dirty="0">
+              <a:latin typeface="+mj-ea"/>
+              <a:ea typeface="+mj-ea"/>
+            </a:endParaRPr>
+          </a:p>
+          <a:p>
+            <a:r>
+              <a:rPr lang="ko-KR" altLang="en-US" sz="2200" dirty="0">
+                <a:latin typeface="+mj-ea"/>
+                <a:ea typeface="+mj-ea"/>
+              </a:rPr>
+              <a:t>아쉬웠던 점은 개발과정에서는 </a:t>
+            </a:r>
+            <a:r>
+              <a:rPr lang="en-US" altLang="ko-KR" sz="2200" dirty="0">
+                <a:latin typeface="+mj-ea"/>
+                <a:ea typeface="+mj-ea"/>
+              </a:rPr>
+              <a:t>Oracle DB</a:t>
+            </a:r>
+            <a:r>
+              <a:rPr lang="ko-KR" altLang="en-US" sz="2200" dirty="0">
+                <a:latin typeface="+mj-ea"/>
+                <a:ea typeface="+mj-ea"/>
+              </a:rPr>
+              <a:t>를 사용했고 배포에서는 </a:t>
+            </a:r>
+            <a:r>
+              <a:rPr lang="en-US" altLang="ko-KR" sz="2200" dirty="0">
+                <a:latin typeface="+mj-ea"/>
+                <a:ea typeface="+mj-ea"/>
+              </a:rPr>
+              <a:t>maria DB</a:t>
+            </a:r>
+            <a:r>
+              <a:rPr lang="ko-KR" altLang="en-US" sz="2200" dirty="0">
+                <a:latin typeface="+mj-ea"/>
+                <a:ea typeface="+mj-ea"/>
+              </a:rPr>
+              <a:t>를 사용했는데 이때 문법이 다른 점을 </a:t>
+            </a:r>
+            <a:r>
+              <a:rPr lang="ko-KR" altLang="en-US" sz="2200" dirty="0" err="1">
+                <a:latin typeface="+mj-ea"/>
+                <a:ea typeface="+mj-ea"/>
+              </a:rPr>
+              <a:t>관과하여</a:t>
+            </a:r>
+            <a:r>
+              <a:rPr lang="en-US" altLang="ko-KR" sz="2200" dirty="0">
+                <a:latin typeface="+mj-ea"/>
+                <a:ea typeface="+mj-ea"/>
+              </a:rPr>
+              <a:t>,</a:t>
+            </a:r>
+          </a:p>
+          <a:p>
+            <a:r>
+              <a:rPr lang="ko-KR" altLang="en-US" sz="2200" dirty="0">
+                <a:latin typeface="+mj-ea"/>
+                <a:ea typeface="+mj-ea"/>
+              </a:rPr>
+              <a:t>배포 직전 </a:t>
+            </a:r>
+            <a:r>
+              <a:rPr lang="en-US" altLang="ko-KR" sz="2200" dirty="0">
+                <a:latin typeface="+mj-ea"/>
+                <a:ea typeface="+mj-ea"/>
+              </a:rPr>
+              <a:t>mapper</a:t>
+            </a:r>
+            <a:r>
+              <a:rPr lang="ko-KR" altLang="en-US" sz="2200" dirty="0">
+                <a:latin typeface="+mj-ea"/>
+                <a:ea typeface="+mj-ea"/>
+              </a:rPr>
+              <a:t> 수정을 많이 한 점입니다</a:t>
+            </a:r>
+            <a:r>
+              <a:rPr lang="en-US" altLang="ko-KR" sz="2200" dirty="0">
+                <a:latin typeface="+mj-ea"/>
+                <a:ea typeface="+mj-ea"/>
+              </a:rPr>
+              <a:t>.</a:t>
+            </a:r>
+          </a:p>
+          <a:p>
+            <a:r>
+              <a:rPr lang="en-US" altLang="ko-KR" sz="2200" dirty="0">
+                <a:latin typeface="+mj-ea"/>
+                <a:ea typeface="+mj-ea"/>
+              </a:rPr>
+              <a:t> </a:t>
+            </a:r>
+            <a:r>
+              <a:rPr lang="en-US" altLang="ko-KR" sz="2200" dirty="0" err="1">
+                <a:latin typeface="+mj-ea"/>
+                <a:ea typeface="+mj-ea"/>
+              </a:rPr>
+              <a:t>mappe</a:t>
+            </a:r>
+            <a:r>
+              <a:rPr lang="ko-KR" altLang="en-US" sz="2200" dirty="0">
+                <a:latin typeface="+mj-ea"/>
+                <a:ea typeface="+mj-ea"/>
+              </a:rPr>
+              <a:t>를 수정하면서 개발 과정에서 얼마나 설계가 중요한지 다시 한 번 깨달을 수 있었습니다</a:t>
+            </a:r>
+            <a:r>
+              <a:rPr lang="en-US" altLang="ko-KR" sz="2200" dirty="0">
+                <a:latin typeface="+mj-ea"/>
+                <a:ea typeface="+mj-ea"/>
+              </a:rPr>
+              <a:t>. </a:t>
+            </a:r>
+          </a:p>
+          <a:p>
+            <a:r>
+              <a:rPr lang="en-US" altLang="ko-KR" sz="2200" dirty="0">
+                <a:latin typeface="+mj-ea"/>
+                <a:ea typeface="+mj-ea"/>
+              </a:rPr>
+              <a:t> </a:t>
+            </a:r>
           </a:p>
         </p:txBody>
       </p:sp>

--- a/FINAL SNS PROJECT.pptx
+++ b/FINAL SNS PROJECT.pptx
@@ -233,7 +233,7 @@
           <a:p>
             <a:fld id="{1CB9C972-ED3C-41CE-BE42-44BB2534DC93}" type="datetimeFigureOut">
               <a:rPr lang="ko-KR" altLang="en-US" smtClean="0"/>
-              <a:t>2024-07-17</a:t>
+              <a:t>2024-07-18</a:t>
             </a:fld>
             <a:endParaRPr lang="ko-KR" altLang="en-US"/>
           </a:p>
@@ -2192,7 +2192,7 @@
             <a:fld id="{1D8BD707-D9CF-40AE-B4C6-C98DA3205C09}" type="datetimeFigureOut">
               <a:rPr lang="en-US" smtClean="0"/>
               <a:pPr/>
-              <a:t>7/17/2024</a:t>
+              <a:t>7/18/2024</a:t>
             </a:fld>
             <a:endParaRPr lang="en-US"/>
           </a:p>
@@ -2357,7 +2357,7 @@
             <a:fld id="{1D8BD707-D9CF-40AE-B4C6-C98DA3205C09}" type="datetimeFigureOut">
               <a:rPr lang="en-US" smtClean="0"/>
               <a:pPr/>
-              <a:t>7/17/2024</a:t>
+              <a:t>7/18/2024</a:t>
             </a:fld>
             <a:endParaRPr lang="en-US"/>
           </a:p>
@@ -2532,7 +2532,7 @@
             <a:fld id="{1D8BD707-D9CF-40AE-B4C6-C98DA3205C09}" type="datetimeFigureOut">
               <a:rPr lang="en-US" smtClean="0"/>
               <a:pPr/>
-              <a:t>7/17/2024</a:t>
+              <a:t>7/18/2024</a:t>
             </a:fld>
             <a:endParaRPr lang="en-US"/>
           </a:p>
@@ -2697,7 +2697,7 @@
             <a:fld id="{1D8BD707-D9CF-40AE-B4C6-C98DA3205C09}" type="datetimeFigureOut">
               <a:rPr lang="en-US" smtClean="0"/>
               <a:pPr/>
-              <a:t>7/17/2024</a:t>
+              <a:t>7/18/2024</a:t>
             </a:fld>
             <a:endParaRPr lang="en-US"/>
           </a:p>
@@ -2939,7 +2939,7 @@
             <a:fld id="{1D8BD707-D9CF-40AE-B4C6-C98DA3205C09}" type="datetimeFigureOut">
               <a:rPr lang="en-US" smtClean="0"/>
               <a:pPr/>
-              <a:t>7/17/2024</a:t>
+              <a:t>7/18/2024</a:t>
             </a:fld>
             <a:endParaRPr lang="en-US"/>
           </a:p>
@@ -3221,7 +3221,7 @@
             <a:fld id="{1D8BD707-D9CF-40AE-B4C6-C98DA3205C09}" type="datetimeFigureOut">
               <a:rPr lang="en-US" smtClean="0"/>
               <a:pPr/>
-              <a:t>7/17/2024</a:t>
+              <a:t>7/18/2024</a:t>
             </a:fld>
             <a:endParaRPr lang="en-US"/>
           </a:p>
@@ -3637,7 +3637,7 @@
             <a:fld id="{1D8BD707-D9CF-40AE-B4C6-C98DA3205C09}" type="datetimeFigureOut">
               <a:rPr lang="en-US" smtClean="0"/>
               <a:pPr/>
-              <a:t>7/17/2024</a:t>
+              <a:t>7/18/2024</a:t>
             </a:fld>
             <a:endParaRPr lang="en-US"/>
           </a:p>
@@ -3751,7 +3751,7 @@
             <a:fld id="{1D8BD707-D9CF-40AE-B4C6-C98DA3205C09}" type="datetimeFigureOut">
               <a:rPr lang="en-US" smtClean="0"/>
               <a:pPr/>
-              <a:t>7/17/2024</a:t>
+              <a:t>7/18/2024</a:t>
             </a:fld>
             <a:endParaRPr lang="en-US"/>
           </a:p>
@@ -3843,7 +3843,7 @@
             <a:fld id="{1D8BD707-D9CF-40AE-B4C6-C98DA3205C09}" type="datetimeFigureOut">
               <a:rPr lang="en-US" smtClean="0"/>
               <a:pPr/>
-              <a:t>7/17/2024</a:t>
+              <a:t>7/18/2024</a:t>
             </a:fld>
             <a:endParaRPr lang="en-US"/>
           </a:p>
@@ -4115,7 +4115,7 @@
             <a:fld id="{1D8BD707-D9CF-40AE-B4C6-C98DA3205C09}" type="datetimeFigureOut">
               <a:rPr lang="en-US" smtClean="0"/>
               <a:pPr/>
-              <a:t>7/17/2024</a:t>
+              <a:t>7/18/2024</a:t>
             </a:fld>
             <a:endParaRPr lang="en-US"/>
           </a:p>
@@ -4364,7 +4364,7 @@
             <a:fld id="{1D8BD707-D9CF-40AE-B4C6-C98DA3205C09}" type="datetimeFigureOut">
               <a:rPr lang="en-US" smtClean="0"/>
               <a:pPr/>
-              <a:t>7/17/2024</a:t>
+              <a:t>7/18/2024</a:t>
             </a:fld>
             <a:endParaRPr lang="en-US"/>
           </a:p>
@@ -4572,7 +4572,7 @@
             <a:fld id="{1D8BD707-D9CF-40AE-B4C6-C98DA3205C09}" type="datetimeFigureOut">
               <a:rPr lang="en-US" smtClean="0"/>
               <a:pPr/>
-              <a:t>7/17/2024</a:t>
+              <a:t>7/18/2024</a:t>
             </a:fld>
             <a:endParaRPr lang="en-US"/>
           </a:p>
@@ -8285,7 +8285,7 @@
                 <a:latin typeface="맑은 고딕" panose="020B0503020000020004" pitchFamily="50" charset="-127"/>
                 <a:ea typeface="맑은 고딕" panose="020B0503020000020004" pitchFamily="50" charset="-127"/>
               </a:rPr>
-              <a:t>매니저 </a:t>
+              <a:t>관리자 </a:t>
             </a:r>
             <a:r>
               <a:rPr lang="en-US" altLang="ko-KR" sz="6000" spc="-200" dirty="0">
@@ -8791,7 +8791,7 @@
                 <a:latin typeface="맑은 고딕" panose="020B0503020000020004" pitchFamily="50" charset="-127"/>
                 <a:ea typeface="맑은 고딕" panose="020B0503020000020004" pitchFamily="50" charset="-127"/>
               </a:rPr>
-              <a:t>매니저 </a:t>
+              <a:t>관리자 </a:t>
             </a:r>
             <a:r>
               <a:rPr lang="en-US" altLang="ko-KR" sz="6000" spc="-200" dirty="0">
@@ -14818,7 +14818,7 @@
       </p:pic>
       <p:pic>
         <p:nvPicPr>
-          <p:cNvPr id="12" name="그림 11"/>
+          <p:cNvPr id="16" name="그림 15"/>
           <p:cNvPicPr>
             <a:picLocks noChangeAspect="1"/>
           </p:cNvPicPr>
@@ -14832,8 +14832,8 @@
         </p:blipFill>
         <p:spPr>
           <a:xfrm>
-            <a:off x="8204200" y="6597054"/>
-            <a:ext cx="8686800" cy="1962150"/>
+            <a:off x="8311449" y="4674695"/>
+            <a:ext cx="8458200" cy="1600200"/>
           </a:xfrm>
           <a:prstGeom prst="rect">
             <a:avLst/>
@@ -14842,7 +14842,13 @@
       </p:pic>
       <p:pic>
         <p:nvPicPr>
-          <p:cNvPr id="16" name="그림 15"/>
+          <p:cNvPr id="18" name="그림 17">
+            <a:extLst>
+              <a:ext uri="{FF2B5EF4-FFF2-40B4-BE49-F238E27FC236}">
+                <a16:creationId xmlns:a16="http://schemas.microsoft.com/office/drawing/2014/main" id="{2C9FF76F-F348-8AD0-B5A7-DAE14218781C}"/>
+              </a:ext>
+            </a:extLst>
+          </p:cNvPr>
           <p:cNvPicPr>
             <a:picLocks noChangeAspect="1"/>
           </p:cNvPicPr>
@@ -14856,14 +14862,66 @@
         </p:blipFill>
         <p:spPr>
           <a:xfrm>
-            <a:off x="8311449" y="4674695"/>
-            <a:ext cx="8458200" cy="1600200"/>
+            <a:off x="8320480" y="5983977"/>
+            <a:ext cx="6462320" cy="3033023"/>
           </a:xfrm>
           <a:prstGeom prst="rect">
             <a:avLst/>
           </a:prstGeom>
         </p:spPr>
       </p:pic>
+      <p:sp>
+        <p:nvSpPr>
+          <p:cNvPr id="19" name="직사각형 18">
+            <a:extLst>
+              <a:ext uri="{FF2B5EF4-FFF2-40B4-BE49-F238E27FC236}">
+                <a16:creationId xmlns:a16="http://schemas.microsoft.com/office/drawing/2014/main" id="{5E85E324-B5F3-E0FC-1C16-A10BB71D5AA6}"/>
+              </a:ext>
+            </a:extLst>
+          </p:cNvPr>
+          <p:cNvSpPr/>
+          <p:nvPr/>
+        </p:nvSpPr>
+        <p:spPr>
+          <a:xfrm>
+            <a:off x="8320480" y="4674695"/>
+            <a:ext cx="8458200" cy="2246769"/>
+          </a:xfrm>
+          <a:prstGeom prst="rect">
+            <a:avLst/>
+          </a:prstGeom>
+          <a:noFill/>
+          <a:ln w="63500">
+            <a:solidFill>
+              <a:srgbClr val="C00000"/>
+            </a:solidFill>
+          </a:ln>
+        </p:spPr>
+        <p:style>
+          <a:lnRef idx="2">
+            <a:schemeClr val="accent1">
+              <a:shade val="15000"/>
+            </a:schemeClr>
+          </a:lnRef>
+          <a:fillRef idx="1">
+            <a:schemeClr val="accent1"/>
+          </a:fillRef>
+          <a:effectRef idx="0">
+            <a:schemeClr val="accent1"/>
+          </a:effectRef>
+          <a:fontRef idx="minor">
+            <a:schemeClr val="lt1"/>
+          </a:fontRef>
+        </p:style>
+        <p:txBody>
+          <a:bodyPr rtlCol="0" anchor="ctr"/>
+          <a:lstStyle/>
+          <a:p>
+            <a:pPr algn="ctr"/>
+            <a:endParaRPr lang="ko-KR" altLang="en-US"/>
+          </a:p>
+        </p:txBody>
+      </p:sp>
     </p:spTree>
   </p:cSld>
   <p:clrMapOvr>
